--- a/05_supervised_ML/98_Project_Walmart/walmart_project.pptx
+++ b/05_supervised_ML/98_Project_Walmart/walmart_project.pptx
@@ -17,8 +17,8 @@
     <p:sldId id="270" r:id="rId8"/>
     <p:sldId id="267" r:id="rId9"/>
     <p:sldId id="268" r:id="rId10"/>
-    <p:sldId id="263" r:id="rId11"/>
-    <p:sldId id="257" r:id="rId12"/>
+    <p:sldId id="257" r:id="rId11"/>
+    <p:sldId id="263" r:id="rId12"/>
   </p:sldIdLst>
   <p:sldSz cx="12192000" cy="6858000"/>
   <p:notesSz cx="6858000" cy="9144000"/>
@@ -128,7 +128,6 @@
 <file path=ppt/revisionInfo.xml><?xml version="1.0" encoding="utf-8"?>
 <p1510:revInfo xmlns:a="http://schemas.openxmlformats.org/drawingml/2006/main" xmlns:r="http://schemas.openxmlformats.org/officeDocument/2006/relationships" xmlns:p1510="http://schemas.microsoft.com/office/powerpoint/2015/10/main">
   <p1510:revLst>
-    <p1510:client id="{B2EE689F-2065-402A-8908-926DEA39FEF1}" v="24" dt="2024-08-20T16:47:30.252"/>
     <p1510:client id="{E03E74EA-EF3B-43B4-9B17-52CA29A38D90}" v="8" dt="2024-08-21T15:35:47.057"/>
     <p1510:client id="{FB309223-E9E0-44D1-8A29-32821B1882E7}" v="10" dt="2024-08-21T09:47:36.906"/>
   </p1510:revLst>
@@ -585,7 +584,7 @@
   <pc:docChgLst>
     <pc:chgData name="Philippe Baucour" userId="5102170ae7533958" providerId="LiveId" clId="{E03E74EA-EF3B-43B4-9B17-52CA29A38D90}"/>
     <pc:docChg chg="undo custSel addSld delSld modSld sldOrd">
-      <pc:chgData name="Philippe Baucour" userId="5102170ae7533958" providerId="LiveId" clId="{E03E74EA-EF3B-43B4-9B17-52CA29A38D90}" dt="2024-08-21T15:36:55.232" v="1401" actId="6549"/>
+      <pc:chgData name="Philippe Baucour" userId="5102170ae7533958" providerId="LiveId" clId="{E03E74EA-EF3B-43B4-9B17-52CA29A38D90}" dt="2024-08-22T08:18:46.171" v="1404" actId="20577"/>
       <pc:docMkLst>
         <pc:docMk/>
       </pc:docMkLst>
@@ -686,14 +685,14 @@
           <pc:sldMk cId="2740920124" sldId="262"/>
         </pc:sldMkLst>
       </pc:sldChg>
-      <pc:sldChg chg="modSp mod">
-        <pc:chgData name="Philippe Baucour" userId="5102170ae7533958" providerId="LiveId" clId="{E03E74EA-EF3B-43B4-9B17-52CA29A38D90}" dt="2024-08-21T15:18:19.272" v="645" actId="20577"/>
+      <pc:sldChg chg="modSp mod ord">
+        <pc:chgData name="Philippe Baucour" userId="5102170ae7533958" providerId="LiveId" clId="{E03E74EA-EF3B-43B4-9B17-52CA29A38D90}" dt="2024-08-22T08:18:46.171" v="1404" actId="20577"/>
         <pc:sldMkLst>
           <pc:docMk/>
           <pc:sldMk cId="312535264" sldId="263"/>
         </pc:sldMkLst>
         <pc:spChg chg="mod">
-          <ac:chgData name="Philippe Baucour" userId="5102170ae7533958" providerId="LiveId" clId="{E03E74EA-EF3B-43B4-9B17-52CA29A38D90}" dt="2024-08-21T15:18:19.272" v="645" actId="20577"/>
+          <ac:chgData name="Philippe Baucour" userId="5102170ae7533958" providerId="LiveId" clId="{E03E74EA-EF3B-43B4-9B17-52CA29A38D90}" dt="2024-08-22T08:18:46.171" v="1404" actId="20577"/>
           <ac:spMkLst>
             <pc:docMk/>
             <pc:sldMk cId="312535264" sldId="263"/>
@@ -2026,7 +2025,7 @@
           <a:p>
             <a:fld id="{FD1752CD-A7D2-4825-BC26-9DAEFBD0A5FF}" type="datetimeFigureOut">
               <a:rPr lang="fr-FR" smtClean="0"/>
-              <a:t>21/08/2024</a:t>
+              <a:t>22/08/2024</a:t>
             </a:fld>
             <a:endParaRPr lang="fr-FR"/>
           </a:p>
@@ -2838,7 +2837,7 @@
           <a:p>
             <a:fld id="{7ECB9D5A-E5E4-41FE-AF39-634902D6D5D2}" type="datetimeFigureOut">
               <a:rPr lang="fr-FR" smtClean="0"/>
-              <a:t>21/08/2024</a:t>
+              <a:t>22/08/2024</a:t>
             </a:fld>
             <a:endParaRPr lang="fr-FR"/>
           </a:p>
@@ -3036,7 +3035,7 @@
           <a:p>
             <a:fld id="{7ECB9D5A-E5E4-41FE-AF39-634902D6D5D2}" type="datetimeFigureOut">
               <a:rPr lang="fr-FR" smtClean="0"/>
-              <a:t>21/08/2024</a:t>
+              <a:t>22/08/2024</a:t>
             </a:fld>
             <a:endParaRPr lang="fr-FR"/>
           </a:p>
@@ -3244,7 +3243,7 @@
           <a:p>
             <a:fld id="{7ECB9D5A-E5E4-41FE-AF39-634902D6D5D2}" type="datetimeFigureOut">
               <a:rPr lang="fr-FR" smtClean="0"/>
-              <a:t>21/08/2024</a:t>
+              <a:t>22/08/2024</a:t>
             </a:fld>
             <a:endParaRPr lang="fr-FR"/>
           </a:p>
@@ -3442,7 +3441,7 @@
           <a:p>
             <a:fld id="{7ECB9D5A-E5E4-41FE-AF39-634902D6D5D2}" type="datetimeFigureOut">
               <a:rPr lang="fr-FR" smtClean="0"/>
-              <a:t>21/08/2024</a:t>
+              <a:t>22/08/2024</a:t>
             </a:fld>
             <a:endParaRPr lang="fr-FR"/>
           </a:p>
@@ -3717,7 +3716,7 @@
           <a:p>
             <a:fld id="{7ECB9D5A-E5E4-41FE-AF39-634902D6D5D2}" type="datetimeFigureOut">
               <a:rPr lang="fr-FR" smtClean="0"/>
-              <a:t>21/08/2024</a:t>
+              <a:t>22/08/2024</a:t>
             </a:fld>
             <a:endParaRPr lang="fr-FR"/>
           </a:p>
@@ -3982,7 +3981,7 @@
           <a:p>
             <a:fld id="{7ECB9D5A-E5E4-41FE-AF39-634902D6D5D2}" type="datetimeFigureOut">
               <a:rPr lang="fr-FR" smtClean="0"/>
-              <a:t>21/08/2024</a:t>
+              <a:t>22/08/2024</a:t>
             </a:fld>
             <a:endParaRPr lang="fr-FR"/>
           </a:p>
@@ -4394,7 +4393,7 @@
           <a:p>
             <a:fld id="{7ECB9D5A-E5E4-41FE-AF39-634902D6D5D2}" type="datetimeFigureOut">
               <a:rPr lang="fr-FR" smtClean="0"/>
-              <a:t>21/08/2024</a:t>
+              <a:t>22/08/2024</a:t>
             </a:fld>
             <a:endParaRPr lang="fr-FR"/>
           </a:p>
@@ -4535,7 +4534,7 @@
           <a:p>
             <a:fld id="{7ECB9D5A-E5E4-41FE-AF39-634902D6D5D2}" type="datetimeFigureOut">
               <a:rPr lang="fr-FR" smtClean="0"/>
-              <a:t>21/08/2024</a:t>
+              <a:t>22/08/2024</a:t>
             </a:fld>
             <a:endParaRPr lang="fr-FR"/>
           </a:p>
@@ -4648,7 +4647,7 @@
           <a:p>
             <a:fld id="{7ECB9D5A-E5E4-41FE-AF39-634902D6D5D2}" type="datetimeFigureOut">
               <a:rPr lang="fr-FR" smtClean="0"/>
-              <a:t>21/08/2024</a:t>
+              <a:t>22/08/2024</a:t>
             </a:fld>
             <a:endParaRPr lang="fr-FR"/>
           </a:p>
@@ -4959,7 +4958,7 @@
           <a:p>
             <a:fld id="{7ECB9D5A-E5E4-41FE-AF39-634902D6D5D2}" type="datetimeFigureOut">
               <a:rPr lang="fr-FR" smtClean="0"/>
-              <a:t>21/08/2024</a:t>
+              <a:t>22/08/2024</a:t>
             </a:fld>
             <a:endParaRPr lang="fr-FR"/>
           </a:p>
@@ -5250,7 +5249,7 @@
           <a:p>
             <a:fld id="{7ECB9D5A-E5E4-41FE-AF39-634902D6D5D2}" type="datetimeFigureOut">
               <a:rPr lang="fr-FR" smtClean="0"/>
-              <a:t>21/08/2024</a:t>
+              <a:t>22/08/2024</a:t>
             </a:fld>
             <a:endParaRPr lang="fr-FR"/>
           </a:p>
@@ -5491,7 +5490,7 @@
           <a:p>
             <a:fld id="{7ECB9D5A-E5E4-41FE-AF39-634902D6D5D2}" type="datetimeFigureOut">
               <a:rPr lang="fr-FR" smtClean="0"/>
-              <a:t>21/08/2024</a:t>
+              <a:t>22/08/2024</a:t>
             </a:fld>
             <a:endParaRPr lang="fr-FR"/>
           </a:p>
@@ -6059,10 +6058,10 @@
       </p:grpSpPr>
       <p:sp>
         <p:nvSpPr>
-          <p:cNvPr id="4" name="Titre 3">
-            <a:extLst>
-              <a:ext uri="{FF2B5EF4-FFF2-40B4-BE49-F238E27FC236}">
-                <a16:creationId xmlns:a16="http://schemas.microsoft.com/office/drawing/2014/main" id="{80E590DF-0A88-7056-85D1-A8E809E2318F}"/>
+          <p:cNvPr id="2" name="Titre 1">
+            <a:extLst>
+              <a:ext uri="{FF2B5EF4-FFF2-40B4-BE49-F238E27FC236}">
+                <a16:creationId xmlns:a16="http://schemas.microsoft.com/office/drawing/2014/main" id="{F13D07B4-C7D9-46E1-38A0-A6EEF16B48EB}"/>
               </a:ext>
             </a:extLst>
           </p:cNvPr>
@@ -6073,61 +6072,107 @@
             <p:ph type="title"/>
           </p:nvPr>
         </p:nvSpPr>
-        <p:spPr>
-          <a:xfrm>
-            <a:off x="831850" y="1709738"/>
-            <a:ext cx="10515600" cy="1837859"/>
-          </a:xfrm>
-        </p:spPr>
+        <p:spPr/>
         <p:txBody>
           <a:bodyPr/>
           <a:lstStyle/>
           <a:p>
-            <a:pPr algn="ctr"/>
+            <a:r>
+              <a:rPr lang="fr-FR" dirty="0" err="1"/>
+              <a:t>Take</a:t>
+            </a:r>
             <a:r>
               <a:rPr lang="fr-FR" dirty="0"/>
-              <a:t>Code </a:t>
+              <a:t> </a:t>
             </a:r>
             <a:r>
               <a:rPr lang="fr-FR" dirty="0" err="1"/>
-              <a:t>Review</a:t>
-            </a:r>
-            <a:r>
-              <a:rPr lang="fr-FR" dirty="0"/>
-              <a:t>?</a:t>
-            </a:r>
-          </a:p>
-        </p:txBody>
-      </p:sp>
-      <p:sp>
-        <p:nvSpPr>
-          <p:cNvPr id="5" name="Espace réservé du texte 4">
-            <a:extLst>
-              <a:ext uri="{FF2B5EF4-FFF2-40B4-BE49-F238E27FC236}">
-                <a16:creationId xmlns:a16="http://schemas.microsoft.com/office/drawing/2014/main" id="{64E8BF61-007C-0740-1AA1-06B9449B33C7}"/>
-              </a:ext>
-            </a:extLst>
-          </p:cNvPr>
-          <p:cNvSpPr>
-            <a:spLocks noGrp="1"/>
-          </p:cNvSpPr>
-          <p:nvPr>
-            <p:ph type="body" idx="1"/>
+              <a:t>away</a:t>
+            </a:r>
+            <a:endParaRPr lang="fr-FR" dirty="0"/>
+          </a:p>
+        </p:txBody>
+      </p:sp>
+      <p:sp>
+        <p:nvSpPr>
+          <p:cNvPr id="3" name="Espace réservé du contenu 2">
+            <a:extLst>
+              <a:ext uri="{FF2B5EF4-FFF2-40B4-BE49-F238E27FC236}">
+                <a16:creationId xmlns:a16="http://schemas.microsoft.com/office/drawing/2014/main" id="{1A803C62-BD0B-D0AC-2B41-C4F420891B06}"/>
+              </a:ext>
+            </a:extLst>
+          </p:cNvPr>
+          <p:cNvSpPr>
+            <a:spLocks noGrp="1"/>
+          </p:cNvSpPr>
+          <p:nvPr>
+            <p:ph idx="1"/>
           </p:nvPr>
         </p:nvSpPr>
         <p:spPr/>
         <p:txBody>
-          <a:bodyPr/>
+          <a:bodyPr>
+            <a:normAutofit lnSpcReduction="10000"/>
+          </a:bodyPr>
           <a:lstStyle/>
           <a:p>
-            <a:endParaRPr lang="fr-FR"/>
+            <a:r>
+              <a:rPr lang="en-US" dirty="0"/>
+              <a:t>Getting enough data is crucial</a:t>
+            </a:r>
+          </a:p>
+          <a:p>
+            <a:r>
+              <a:rPr lang="en-US" dirty="0"/>
+              <a:t>We were able to use the exact same </a:t>
+            </a:r>
+            <a:r>
+              <a:rPr lang="en-US" dirty="0" err="1"/>
+              <a:t>pipeling</a:t>
+            </a:r>
+            <a:r>
+              <a:rPr lang="en-US" dirty="0"/>
+              <a:t> to training and test datasets</a:t>
+            </a:r>
+          </a:p>
+          <a:p>
+            <a:r>
+              <a:rPr lang="en-US" dirty="0"/>
+              <a:t>MAPE metric is meaningful</a:t>
+            </a:r>
+          </a:p>
+          <a:p>
+            <a:r>
+              <a:rPr lang="en-US" dirty="0"/>
+              <a:t>Using </a:t>
+            </a:r>
+            <a:r>
+              <a:rPr lang="en-US" dirty="0" err="1"/>
+              <a:t>GridSearchCV</a:t>
+            </a:r>
+            <a:r>
+              <a:rPr lang="en-US" dirty="0"/>
+              <a:t> to find the best parameters did help</a:t>
+            </a:r>
+          </a:p>
+          <a:p>
+            <a:r>
+              <a:rPr lang="en-US" dirty="0"/>
+              <a:t>We were able to get better results with some features engineering (create categories of stores), use PCA to remove useless features  </a:t>
+            </a:r>
+          </a:p>
+          <a:p>
+            <a:r>
+              <a:rPr lang="en-US" dirty="0"/>
+              <a:t>In the executive summary, we quantify 2 options and express our recommendation</a:t>
+            </a:r>
           </a:p>
         </p:txBody>
       </p:sp>
     </p:spTree>
     <p:extLst>
       <p:ext uri="{BB962C8B-B14F-4D97-AF65-F5344CB8AC3E}">
-        <p14:creationId xmlns:p14="http://schemas.microsoft.com/office/powerpoint/2010/main" val="312535264"/>
+        <p14:creationId xmlns:p14="http://schemas.microsoft.com/office/powerpoint/2010/main" val="3201622378"/>
       </p:ext>
     </p:extLst>
   </p:cSld>
@@ -6156,10 +6201,10 @@
       </p:grpSpPr>
       <p:sp>
         <p:nvSpPr>
-          <p:cNvPr id="2" name="Titre 1">
-            <a:extLst>
-              <a:ext uri="{FF2B5EF4-FFF2-40B4-BE49-F238E27FC236}">
-                <a16:creationId xmlns:a16="http://schemas.microsoft.com/office/drawing/2014/main" id="{F13D07B4-C7D9-46E1-38A0-A6EEF16B48EB}"/>
+          <p:cNvPr id="4" name="Titre 3">
+            <a:extLst>
+              <a:ext uri="{FF2B5EF4-FFF2-40B4-BE49-F238E27FC236}">
+                <a16:creationId xmlns:a16="http://schemas.microsoft.com/office/drawing/2014/main" id="{80E590DF-0A88-7056-85D1-A8E809E2318F}"/>
               </a:ext>
             </a:extLst>
           </p:cNvPr>
@@ -6170,22 +6215,20 @@
             <p:ph type="title"/>
           </p:nvPr>
         </p:nvSpPr>
-        <p:spPr/>
+        <p:spPr>
+          <a:xfrm>
+            <a:off x="831850" y="1709738"/>
+            <a:ext cx="10515600" cy="1837859"/>
+          </a:xfrm>
+        </p:spPr>
         <p:txBody>
           <a:bodyPr/>
           <a:lstStyle/>
           <a:p>
-            <a:r>
-              <a:rPr lang="fr-FR" dirty="0" err="1"/>
-              <a:t>Take</a:t>
-            </a:r>
-            <a:r>
-              <a:rPr lang="fr-FR" dirty="0"/>
-              <a:t> </a:t>
-            </a:r>
-            <a:r>
-              <a:rPr lang="fr-FR" dirty="0" err="1"/>
-              <a:t>away</a:t>
+            <a:pPr algn="ctr"/>
+            <a:r>
+              <a:rPr lang="fr-FR"/>
+              <a:t>Code Review</a:t>
             </a:r>
             <a:endParaRPr lang="fr-FR" dirty="0"/>
           </a:p>
@@ -6193,84 +6236,33 @@
       </p:sp>
       <p:sp>
         <p:nvSpPr>
-          <p:cNvPr id="3" name="Espace réservé du contenu 2">
-            <a:extLst>
-              <a:ext uri="{FF2B5EF4-FFF2-40B4-BE49-F238E27FC236}">
-                <a16:creationId xmlns:a16="http://schemas.microsoft.com/office/drawing/2014/main" id="{1A803C62-BD0B-D0AC-2B41-C4F420891B06}"/>
-              </a:ext>
-            </a:extLst>
-          </p:cNvPr>
-          <p:cNvSpPr>
-            <a:spLocks noGrp="1"/>
-          </p:cNvSpPr>
-          <p:nvPr>
-            <p:ph idx="1"/>
+          <p:cNvPr id="5" name="Espace réservé du texte 4">
+            <a:extLst>
+              <a:ext uri="{FF2B5EF4-FFF2-40B4-BE49-F238E27FC236}">
+                <a16:creationId xmlns:a16="http://schemas.microsoft.com/office/drawing/2014/main" id="{64E8BF61-007C-0740-1AA1-06B9449B33C7}"/>
+              </a:ext>
+            </a:extLst>
+          </p:cNvPr>
+          <p:cNvSpPr>
+            <a:spLocks noGrp="1"/>
+          </p:cNvSpPr>
+          <p:nvPr>
+            <p:ph type="body" idx="1"/>
           </p:nvPr>
         </p:nvSpPr>
         <p:spPr/>
         <p:txBody>
-          <a:bodyPr>
-            <a:normAutofit lnSpcReduction="10000"/>
-          </a:bodyPr>
+          <a:bodyPr/>
           <a:lstStyle/>
           <a:p>
-            <a:r>
-              <a:rPr lang="en-US" dirty="0"/>
-              <a:t>Getting enough data is crucial</a:t>
-            </a:r>
-          </a:p>
-          <a:p>
-            <a:r>
-              <a:rPr lang="en-US" dirty="0"/>
-              <a:t>We were able to use the exact same </a:t>
-            </a:r>
-            <a:r>
-              <a:rPr lang="en-US" dirty="0" err="1"/>
-              <a:t>pipeling</a:t>
-            </a:r>
-            <a:r>
-              <a:rPr lang="en-US" dirty="0"/>
-              <a:t> to training and test datasets</a:t>
-            </a:r>
-          </a:p>
-          <a:p>
-            <a:r>
-              <a:rPr lang="en-US" dirty="0"/>
-              <a:t>MAPE metric is meaningful</a:t>
-            </a:r>
-          </a:p>
-          <a:p>
-            <a:r>
-              <a:rPr lang="en-US" dirty="0"/>
-              <a:t>Using </a:t>
-            </a:r>
-            <a:r>
-              <a:rPr lang="en-US" dirty="0" err="1"/>
-              <a:t>GridSearchCV</a:t>
-            </a:r>
-            <a:r>
-              <a:rPr lang="en-US" dirty="0"/>
-              <a:t> to find the best parameters did help</a:t>
-            </a:r>
-          </a:p>
-          <a:p>
-            <a:r>
-              <a:rPr lang="en-US" dirty="0"/>
-              <a:t>We were able to get better results with some features engineering (create categories of stores), use PCA to remove useless features  </a:t>
-            </a:r>
-          </a:p>
-          <a:p>
-            <a:r>
-              <a:rPr lang="en-US" dirty="0"/>
-              <a:t>In the executive summary, we quantify 2 options and express our recommendation</a:t>
-            </a:r>
+            <a:endParaRPr lang="fr-FR"/>
           </a:p>
         </p:txBody>
       </p:sp>
     </p:spTree>
     <p:extLst>
       <p:ext uri="{BB962C8B-B14F-4D97-AF65-F5344CB8AC3E}">
-        <p14:creationId xmlns:p14="http://schemas.microsoft.com/office/powerpoint/2010/main" val="3201622378"/>
+        <p14:creationId xmlns:p14="http://schemas.microsoft.com/office/powerpoint/2010/main" val="312535264"/>
       </p:ext>
     </p:extLst>
   </p:cSld>

--- a/05_supervised_ML/98_Project_Walmart/walmart_project.pptx
+++ b/05_supervised_ML/98_Project_Walmart/walmart_project.pptx
@@ -128,8 +128,7 @@
 <file path=ppt/revisionInfo.xml><?xml version="1.0" encoding="utf-8"?>
 <p1510:revInfo xmlns:a="http://schemas.openxmlformats.org/drawingml/2006/main" xmlns:r="http://schemas.openxmlformats.org/officeDocument/2006/relationships" xmlns:p1510="http://schemas.microsoft.com/office/powerpoint/2015/10/main">
   <p1510:revLst>
-    <p1510:client id="{E03E74EA-EF3B-43B4-9B17-52CA29A38D90}" v="8" dt="2024-08-21T15:35:47.057"/>
-    <p1510:client id="{FB309223-E9E0-44D1-8A29-32821B1882E7}" v="10" dt="2024-08-21T09:47:36.906"/>
+    <p1510:client id="{E03E74EA-EF3B-43B4-9B17-52CA29A38D90}" v="9" dt="2024-08-24T09:45:33.846"/>
   </p1510:revLst>
 </p1510:revInfo>
 </file>
@@ -584,12 +583,12 @@
   <pc:docChgLst>
     <pc:chgData name="Philippe Baucour" userId="5102170ae7533958" providerId="LiveId" clId="{E03E74EA-EF3B-43B4-9B17-52CA29A38D90}"/>
     <pc:docChg chg="undo custSel addSld delSld modSld sldOrd">
-      <pc:chgData name="Philippe Baucour" userId="5102170ae7533958" providerId="LiveId" clId="{E03E74EA-EF3B-43B4-9B17-52CA29A38D90}" dt="2024-08-22T08:18:46.171" v="1404" actId="20577"/>
+      <pc:chgData name="Philippe Baucour" userId="5102170ae7533958" providerId="LiveId" clId="{E03E74EA-EF3B-43B4-9B17-52CA29A38D90}" dt="2024-08-24T09:45:36.882" v="1409" actId="20577"/>
       <pc:docMkLst>
         <pc:docMk/>
       </pc:docMkLst>
       <pc:sldChg chg="modSp mod">
-        <pc:chgData name="Philippe Baucour" userId="5102170ae7533958" providerId="LiveId" clId="{E03E74EA-EF3B-43B4-9B17-52CA29A38D90}" dt="2024-08-21T12:43:08.107" v="28" actId="20577"/>
+        <pc:chgData name="Philippe Baucour" userId="5102170ae7533958" providerId="LiveId" clId="{E03E74EA-EF3B-43B4-9B17-52CA29A38D90}" dt="2024-08-24T09:45:36.882" v="1409" actId="20577"/>
         <pc:sldMkLst>
           <pc:docMk/>
           <pc:sldMk cId="1392602265" sldId="256"/>
@@ -603,7 +602,7 @@
           </ac:spMkLst>
         </pc:spChg>
         <pc:spChg chg="mod">
-          <ac:chgData name="Philippe Baucour" userId="5102170ae7533958" providerId="LiveId" clId="{E03E74EA-EF3B-43B4-9B17-52CA29A38D90}" dt="2024-08-21T12:43:08.107" v="28" actId="20577"/>
+          <ac:chgData name="Philippe Baucour" userId="5102170ae7533958" providerId="LiveId" clId="{E03E74EA-EF3B-43B4-9B17-52CA29A38D90}" dt="2024-08-24T09:45:36.882" v="1409" actId="20577"/>
           <ac:spMkLst>
             <pc:docMk/>
             <pc:sldMk cId="1392602265" sldId="256"/>
@@ -2025,7 +2024,7 @@
           <a:p>
             <a:fld id="{FD1752CD-A7D2-4825-BC26-9DAEFBD0A5FF}" type="datetimeFigureOut">
               <a:rPr lang="fr-FR" smtClean="0"/>
-              <a:t>22/08/2024</a:t>
+              <a:t>24/08/2024</a:t>
             </a:fld>
             <a:endParaRPr lang="fr-FR"/>
           </a:p>
@@ -2837,7 +2836,7 @@
           <a:p>
             <a:fld id="{7ECB9D5A-E5E4-41FE-AF39-634902D6D5D2}" type="datetimeFigureOut">
               <a:rPr lang="fr-FR" smtClean="0"/>
-              <a:t>22/08/2024</a:t>
+              <a:t>24/08/2024</a:t>
             </a:fld>
             <a:endParaRPr lang="fr-FR"/>
           </a:p>
@@ -3035,7 +3034,7 @@
           <a:p>
             <a:fld id="{7ECB9D5A-E5E4-41FE-AF39-634902D6D5D2}" type="datetimeFigureOut">
               <a:rPr lang="fr-FR" smtClean="0"/>
-              <a:t>22/08/2024</a:t>
+              <a:t>24/08/2024</a:t>
             </a:fld>
             <a:endParaRPr lang="fr-FR"/>
           </a:p>
@@ -3243,7 +3242,7 @@
           <a:p>
             <a:fld id="{7ECB9D5A-E5E4-41FE-AF39-634902D6D5D2}" type="datetimeFigureOut">
               <a:rPr lang="fr-FR" smtClean="0"/>
-              <a:t>22/08/2024</a:t>
+              <a:t>24/08/2024</a:t>
             </a:fld>
             <a:endParaRPr lang="fr-FR"/>
           </a:p>
@@ -3441,7 +3440,7 @@
           <a:p>
             <a:fld id="{7ECB9D5A-E5E4-41FE-AF39-634902D6D5D2}" type="datetimeFigureOut">
               <a:rPr lang="fr-FR" smtClean="0"/>
-              <a:t>22/08/2024</a:t>
+              <a:t>24/08/2024</a:t>
             </a:fld>
             <a:endParaRPr lang="fr-FR"/>
           </a:p>
@@ -3716,7 +3715,7 @@
           <a:p>
             <a:fld id="{7ECB9D5A-E5E4-41FE-AF39-634902D6D5D2}" type="datetimeFigureOut">
               <a:rPr lang="fr-FR" smtClean="0"/>
-              <a:t>22/08/2024</a:t>
+              <a:t>24/08/2024</a:t>
             </a:fld>
             <a:endParaRPr lang="fr-FR"/>
           </a:p>
@@ -3981,7 +3980,7 @@
           <a:p>
             <a:fld id="{7ECB9D5A-E5E4-41FE-AF39-634902D6D5D2}" type="datetimeFigureOut">
               <a:rPr lang="fr-FR" smtClean="0"/>
-              <a:t>22/08/2024</a:t>
+              <a:t>24/08/2024</a:t>
             </a:fld>
             <a:endParaRPr lang="fr-FR"/>
           </a:p>
@@ -4393,7 +4392,7 @@
           <a:p>
             <a:fld id="{7ECB9D5A-E5E4-41FE-AF39-634902D6D5D2}" type="datetimeFigureOut">
               <a:rPr lang="fr-FR" smtClean="0"/>
-              <a:t>22/08/2024</a:t>
+              <a:t>24/08/2024</a:t>
             </a:fld>
             <a:endParaRPr lang="fr-FR"/>
           </a:p>
@@ -4534,7 +4533,7 @@
           <a:p>
             <a:fld id="{7ECB9D5A-E5E4-41FE-AF39-634902D6D5D2}" type="datetimeFigureOut">
               <a:rPr lang="fr-FR" smtClean="0"/>
-              <a:t>22/08/2024</a:t>
+              <a:t>24/08/2024</a:t>
             </a:fld>
             <a:endParaRPr lang="fr-FR"/>
           </a:p>
@@ -4647,7 +4646,7 @@
           <a:p>
             <a:fld id="{7ECB9D5A-E5E4-41FE-AF39-634902D6D5D2}" type="datetimeFigureOut">
               <a:rPr lang="fr-FR" smtClean="0"/>
-              <a:t>22/08/2024</a:t>
+              <a:t>24/08/2024</a:t>
             </a:fld>
             <a:endParaRPr lang="fr-FR"/>
           </a:p>
@@ -4958,7 +4957,7 @@
           <a:p>
             <a:fld id="{7ECB9D5A-E5E4-41FE-AF39-634902D6D5D2}" type="datetimeFigureOut">
               <a:rPr lang="fr-FR" smtClean="0"/>
-              <a:t>22/08/2024</a:t>
+              <a:t>24/08/2024</a:t>
             </a:fld>
             <a:endParaRPr lang="fr-FR"/>
           </a:p>
@@ -5249,7 +5248,7 @@
           <a:p>
             <a:fld id="{7ECB9D5A-E5E4-41FE-AF39-634902D6D5D2}" type="datetimeFigureOut">
               <a:rPr lang="fr-FR" smtClean="0"/>
-              <a:t>22/08/2024</a:t>
+              <a:t>24/08/2024</a:t>
             </a:fld>
             <a:endParaRPr lang="fr-FR"/>
           </a:p>
@@ -5490,7 +5489,7 @@
           <a:p>
             <a:fld id="{7ECB9D5A-E5E4-41FE-AF39-634902D6D5D2}" type="datetimeFigureOut">
               <a:rPr lang="fr-FR" smtClean="0"/>
-              <a:t>22/08/2024</a:t>
+              <a:t>24/08/2024</a:t>
             </a:fld>
             <a:endParaRPr lang="fr-FR"/>
           </a:p>
@@ -5959,7 +5958,7 @@
         </p:spPr>
         <p:txBody>
           <a:bodyPr>
-            <a:normAutofit/>
+            <a:normAutofit lnSpcReduction="10000"/>
           </a:bodyPr>
           <a:lstStyle/>
           <a:p>
@@ -6009,6 +6008,22 @@
                 <a:hlinkClick r:id="rId4"/>
               </a:rPr>
               <a:t>https://github.com/40tude/fullstack_mars_2024_3/tree/main/05_supervised_ML/98_Project_Walmart</a:t>
+            </a:r>
+            <a:endParaRPr lang="fr-FR" sz="1400" dirty="0"/>
+          </a:p>
+          <a:p>
+            <a:pPr algn="l"/>
+            <a:endParaRPr lang="fr-FR" sz="1400" dirty="0"/>
+          </a:p>
+          <a:p>
+            <a:pPr algn="l"/>
+            <a:r>
+              <a:rPr lang="en-US" sz="1400" dirty="0"/>
+              <a:t>The content of the following slides is mainly a cut-and-paste of what's already available in the project notebook(s). The idea is that the slides can be used to guide and frame the presentation and </a:t>
+            </a:r>
+            <a:r>
+              <a:rPr lang="en-US" sz="1400"/>
+              <a:t>discussion.</a:t>
             </a:r>
             <a:endParaRPr lang="fr-FR" sz="1400" dirty="0"/>
           </a:p>
